--- a/Selenium 교육자료_code.pptx
+++ b/Selenium 교육자료_code.pptx
@@ -5,7 +5,7 @@
     <p:sldMasterId id="2147483648" r:id="rId1"/>
   </p:sldMasterIdLst>
   <p:notesMasterIdLst>
-    <p:notesMasterId r:id="rId10"/>
+    <p:notesMasterId r:id="rId11"/>
   </p:notesMasterIdLst>
   <p:sldIdLst>
     <p:sldId id="256" r:id="rId2"/>
@@ -14,8 +14,9 @@
     <p:sldId id="269" r:id="rId5"/>
     <p:sldId id="271" r:id="rId6"/>
     <p:sldId id="272" r:id="rId7"/>
-    <p:sldId id="273" r:id="rId8"/>
-    <p:sldId id="274" r:id="rId9"/>
+    <p:sldId id="275" r:id="rId8"/>
+    <p:sldId id="273" r:id="rId9"/>
+    <p:sldId id="274" r:id="rId10"/>
   </p:sldIdLst>
   <p:sldSz cx="12192000" cy="6858000"/>
   <p:notesSz cx="6858000" cy="9144000"/>
@@ -204,7 +205,7 @@
           <a:p>
             <a:fld id="{1452CD4A-01AD-4517-8B14-16900C3EEE51}" type="datetimeFigureOut">
               <a:rPr lang="ko-KR" altLang="en-US" smtClean="0"/>
-              <a:t>2017-06-15</a:t>
+              <a:t>2017-06-20</a:t>
             </a:fld>
             <a:endParaRPr lang="ko-KR" altLang="en-US"/>
           </a:p>
@@ -537,7 +538,7 @@
           <a:p>
             <a:fld id="{8D9378F3-CD76-4EBC-B1BD-619166A694E9}" type="slidenum">
               <a:rPr lang="ko-KR" altLang="en-US" smtClean="0"/>
-              <a:t>8</a:t>
+              <a:t>9</a:t>
             </a:fld>
             <a:endParaRPr lang="ko-KR" altLang="en-US"/>
           </a:p>
@@ -687,7 +688,7 @@
           <a:p>
             <a:fld id="{8EADAB73-BE81-4119-854D-C5AED7759523}" type="datetimeFigureOut">
               <a:rPr lang="ko-KR" altLang="en-US" smtClean="0"/>
-              <a:t>2017-06-15</a:t>
+              <a:t>2017-06-20</a:t>
             </a:fld>
             <a:endParaRPr lang="ko-KR" altLang="en-US"/>
           </a:p>
@@ -857,7 +858,7 @@
           <a:p>
             <a:fld id="{8EADAB73-BE81-4119-854D-C5AED7759523}" type="datetimeFigureOut">
               <a:rPr lang="ko-KR" altLang="en-US" smtClean="0"/>
-              <a:t>2017-06-15</a:t>
+              <a:t>2017-06-20</a:t>
             </a:fld>
             <a:endParaRPr lang="ko-KR" altLang="en-US"/>
           </a:p>
@@ -1037,7 +1038,7 @@
           <a:p>
             <a:fld id="{8EADAB73-BE81-4119-854D-C5AED7759523}" type="datetimeFigureOut">
               <a:rPr lang="ko-KR" altLang="en-US" smtClean="0"/>
-              <a:t>2017-06-15</a:t>
+              <a:t>2017-06-20</a:t>
             </a:fld>
             <a:endParaRPr lang="ko-KR" altLang="en-US"/>
           </a:p>
@@ -1207,7 +1208,7 @@
           <a:p>
             <a:fld id="{8EADAB73-BE81-4119-854D-C5AED7759523}" type="datetimeFigureOut">
               <a:rPr lang="ko-KR" altLang="en-US" smtClean="0"/>
-              <a:t>2017-06-15</a:t>
+              <a:t>2017-06-20</a:t>
             </a:fld>
             <a:endParaRPr lang="ko-KR" altLang="en-US"/>
           </a:p>
@@ -1453,7 +1454,7 @@
           <a:p>
             <a:fld id="{8EADAB73-BE81-4119-854D-C5AED7759523}" type="datetimeFigureOut">
               <a:rPr lang="ko-KR" altLang="en-US" smtClean="0"/>
-              <a:t>2017-06-15</a:t>
+              <a:t>2017-06-20</a:t>
             </a:fld>
             <a:endParaRPr lang="ko-KR" altLang="en-US"/>
           </a:p>
@@ -1685,7 +1686,7 @@
           <a:p>
             <a:fld id="{8EADAB73-BE81-4119-854D-C5AED7759523}" type="datetimeFigureOut">
               <a:rPr lang="ko-KR" altLang="en-US" smtClean="0"/>
-              <a:t>2017-06-15</a:t>
+              <a:t>2017-06-20</a:t>
             </a:fld>
             <a:endParaRPr lang="ko-KR" altLang="en-US"/>
           </a:p>
@@ -2052,7 +2053,7 @@
           <a:p>
             <a:fld id="{8EADAB73-BE81-4119-854D-C5AED7759523}" type="datetimeFigureOut">
               <a:rPr lang="ko-KR" altLang="en-US" smtClean="0"/>
-              <a:t>2017-06-15</a:t>
+              <a:t>2017-06-20</a:t>
             </a:fld>
             <a:endParaRPr lang="ko-KR" altLang="en-US"/>
           </a:p>
@@ -2170,7 +2171,7 @@
           <a:p>
             <a:fld id="{8EADAB73-BE81-4119-854D-C5AED7759523}" type="datetimeFigureOut">
               <a:rPr lang="ko-KR" altLang="en-US" smtClean="0"/>
-              <a:t>2017-06-15</a:t>
+              <a:t>2017-06-20</a:t>
             </a:fld>
             <a:endParaRPr lang="ko-KR" altLang="en-US"/>
           </a:p>
@@ -2265,7 +2266,7 @@
           <a:p>
             <a:fld id="{8EADAB73-BE81-4119-854D-C5AED7759523}" type="datetimeFigureOut">
               <a:rPr lang="ko-KR" altLang="en-US" smtClean="0"/>
-              <a:t>2017-06-15</a:t>
+              <a:t>2017-06-20</a:t>
             </a:fld>
             <a:endParaRPr lang="ko-KR" altLang="en-US"/>
           </a:p>
@@ -2542,7 +2543,7 @@
           <a:p>
             <a:fld id="{8EADAB73-BE81-4119-854D-C5AED7759523}" type="datetimeFigureOut">
               <a:rPr lang="ko-KR" altLang="en-US" smtClean="0"/>
-              <a:t>2017-06-15</a:t>
+              <a:t>2017-06-20</a:t>
             </a:fld>
             <a:endParaRPr lang="ko-KR" altLang="en-US"/>
           </a:p>
@@ -2795,7 +2796,7 @@
           <a:p>
             <a:fld id="{8EADAB73-BE81-4119-854D-C5AED7759523}" type="datetimeFigureOut">
               <a:rPr lang="ko-KR" altLang="en-US" smtClean="0"/>
-              <a:t>2017-06-15</a:t>
+              <a:t>2017-06-20</a:t>
             </a:fld>
             <a:endParaRPr lang="ko-KR" altLang="en-US"/>
           </a:p>
@@ -3008,7 +3009,7 @@
           <a:p>
             <a:fld id="{8EADAB73-BE81-4119-854D-C5AED7759523}" type="datetimeFigureOut">
               <a:rPr lang="ko-KR" altLang="en-US" smtClean="0"/>
-              <a:t>2017-06-15</a:t>
+              <a:t>2017-06-20</a:t>
             </a:fld>
             <a:endParaRPr lang="ko-KR" altLang="en-US"/>
           </a:p>
@@ -7005,6 +7006,514 @@
           <a:lstStyle/>
           <a:p>
             <a:r>
+              <a:rPr lang="en-US" altLang="ko-KR" sz="2800" b="1" dirty="0" err="1" smtClean="0"/>
+              <a:t>action.moveToElement</a:t>
+            </a:r>
+            <a:endParaRPr lang="en-US" altLang="ko-KR" sz="2500" b="1" dirty="0" smtClean="0"/>
+          </a:p>
+          <a:p>
+            <a:endParaRPr lang="en-US" altLang="ko-KR" sz="1400" dirty="0" smtClean="0"/>
+          </a:p>
+          <a:p>
+            <a:endParaRPr lang="en-US" altLang="ko-KR" sz="1400" dirty="0" smtClean="0"/>
+          </a:p>
+          <a:p>
+            <a:r>
+              <a:rPr lang="en-US" altLang="ko-KR" sz="1400" b="1" dirty="0"/>
+              <a:t>Point </a:t>
+            </a:r>
+            <a:r>
+              <a:rPr lang="en-US" altLang="ko-KR" sz="1400" b="1" dirty="0" err="1" smtClean="0"/>
+              <a:t>hoverItem</a:t>
+            </a:r>
+            <a:r>
+              <a:rPr lang="en-US" altLang="ko-KR" sz="1400" dirty="0" smtClean="0"/>
+              <a:t> </a:t>
+            </a:r>
+            <a:r>
+              <a:rPr lang="ko-KR" altLang="en-US" sz="1400" dirty="0" smtClean="0"/>
+              <a:t>과 </a:t>
+            </a:r>
+            <a:r>
+              <a:rPr lang="ko-KR" altLang="en-US" sz="1400" dirty="0" smtClean="0"/>
+              <a:t>비슷한 기능을 가진 코드로</a:t>
+            </a:r>
+            <a:r>
+              <a:rPr lang="ko-KR" altLang="en-US" sz="1400" dirty="0" smtClean="0"/>
+              <a:t> </a:t>
+            </a:r>
+            <a:r>
+              <a:rPr lang="ko-KR" altLang="en-US" sz="1400" dirty="0" smtClean="0"/>
+              <a:t>화면에서 모든 </a:t>
+            </a:r>
+            <a:r>
+              <a:rPr lang="en-US" altLang="ko-KR" sz="1400" dirty="0" smtClean="0"/>
+              <a:t>element </a:t>
+            </a:r>
+            <a:r>
+              <a:rPr lang="ko-KR" altLang="en-US" sz="1400" dirty="0" smtClean="0"/>
+              <a:t>가 보이지 </a:t>
+            </a:r>
+            <a:r>
+              <a:rPr lang="ko-KR" altLang="en-US" sz="1400" dirty="0" err="1" smtClean="0"/>
+              <a:t>않을때</a:t>
+            </a:r>
+            <a:r>
+              <a:rPr lang="ko-KR" altLang="en-US" sz="1400" dirty="0" smtClean="0"/>
+              <a:t> 사용 하는 것으로 특정 위치 까지 화면 스크롤 이동을 </a:t>
+            </a:r>
+            <a:r>
+              <a:rPr lang="ko-KR" altLang="en-US" sz="1400" dirty="0" err="1" smtClean="0"/>
+              <a:t>할때</a:t>
+            </a:r>
+            <a:r>
+              <a:rPr lang="ko-KR" altLang="en-US" sz="1400" dirty="0" smtClean="0"/>
+              <a:t> 사용한다</a:t>
+            </a:r>
+            <a:r>
+              <a:rPr lang="en-US" altLang="ko-KR" sz="1400" dirty="0" smtClean="0"/>
+              <a:t>.</a:t>
+            </a:r>
+          </a:p>
+          <a:p>
+            <a:endParaRPr lang="en-US" altLang="ko-KR" sz="1400" dirty="0" smtClean="0"/>
+          </a:p>
+          <a:p>
+            <a:endParaRPr lang="en-US" altLang="ko-KR" sz="1400" dirty="0"/>
+          </a:p>
+          <a:p>
+            <a:r>
+              <a:rPr lang="ko-KR" altLang="en-US" sz="1400" dirty="0" smtClean="0"/>
+              <a:t>아래 그림과 같이 </a:t>
+            </a:r>
+            <a:r>
+              <a:rPr lang="ko-KR" altLang="en-US" sz="1400" dirty="0" err="1" smtClean="0"/>
+              <a:t>이동해야할</a:t>
+            </a:r>
+            <a:r>
+              <a:rPr lang="ko-KR" altLang="en-US" sz="1400" dirty="0" smtClean="0"/>
+              <a:t> 좌표 입력 후 입력된 </a:t>
+            </a:r>
+            <a:r>
+              <a:rPr lang="ko-KR" altLang="en-US" sz="1400" dirty="0" err="1" smtClean="0"/>
+              <a:t>좌표값으로</a:t>
+            </a:r>
+            <a:r>
+              <a:rPr lang="ko-KR" altLang="en-US" sz="1400" dirty="0" smtClean="0"/>
+              <a:t> 화면을 이동한다</a:t>
+            </a:r>
+            <a:r>
+              <a:rPr lang="en-US" altLang="ko-KR" sz="1400" dirty="0" smtClean="0"/>
+              <a:t>. (</a:t>
+            </a:r>
+            <a:r>
+              <a:rPr lang="en-US" altLang="ko-KR" sz="1400" b="1" dirty="0"/>
+              <a:t>Point </a:t>
+            </a:r>
+            <a:r>
+              <a:rPr lang="en-US" altLang="ko-KR" sz="1400" b="1" dirty="0" err="1" smtClean="0"/>
+              <a:t>hoverItem</a:t>
+            </a:r>
+            <a:r>
+              <a:rPr lang="en-US" altLang="ko-KR" sz="1400" dirty="0" smtClean="0"/>
+              <a:t> </a:t>
+            </a:r>
+            <a:r>
+              <a:rPr lang="ko-KR" altLang="en-US" sz="1400" dirty="0" smtClean="0"/>
+              <a:t>보다 간단히 사용</a:t>
+            </a:r>
+            <a:r>
+              <a:rPr lang="en-US" altLang="ko-KR" sz="1400" dirty="0" smtClean="0"/>
+              <a:t>)</a:t>
+            </a:r>
+            <a:endParaRPr lang="en-US" altLang="ko-KR" sz="1400" dirty="0"/>
+          </a:p>
+          <a:p>
+            <a:endParaRPr lang="en-US" altLang="ko-KR" sz="1400" dirty="0" smtClean="0"/>
+          </a:p>
+          <a:p>
+            <a:endParaRPr lang="en-US" altLang="ko-KR" sz="1400" dirty="0"/>
+          </a:p>
+          <a:p>
+            <a:endParaRPr lang="en-US" altLang="ko-KR" sz="1400" dirty="0" smtClean="0"/>
+          </a:p>
+          <a:p>
+            <a:endParaRPr lang="en-US" altLang="ko-KR" sz="1400" dirty="0"/>
+          </a:p>
+          <a:p>
+            <a:endParaRPr lang="en-US" altLang="ko-KR" sz="1400" dirty="0"/>
+          </a:p>
+          <a:p>
+            <a:endParaRPr lang="en-US" altLang="ko-KR" sz="1400" dirty="0"/>
+          </a:p>
+          <a:p>
+            <a:endParaRPr lang="en-US" altLang="ko-KR" sz="1400" dirty="0" smtClean="0"/>
+          </a:p>
+          <a:p>
+            <a:endParaRPr lang="en-US" altLang="ko-KR" sz="1400" dirty="0"/>
+          </a:p>
+          <a:p>
+            <a:endParaRPr lang="en-US" altLang="ko-KR" sz="1400" dirty="0" smtClean="0"/>
+          </a:p>
+        </p:txBody>
+      </p:sp>
+      <p:cxnSp>
+        <p:nvCxnSpPr>
+          <p:cNvPr id="5" name="직선 화살표 연결선 4"/>
+          <p:cNvCxnSpPr>
+            <a:stCxn id="14" idx="2"/>
+            <a:endCxn id="13" idx="0"/>
+          </p:cNvCxnSpPr>
+          <p:nvPr/>
+        </p:nvCxnSpPr>
+        <p:spPr>
+          <a:xfrm flipH="1">
+            <a:off x="9941717" y="3337560"/>
+            <a:ext cx="1" cy="1267224"/>
+          </a:xfrm>
+          <a:prstGeom prst="straightConnector1">
+            <a:avLst/>
+          </a:prstGeom>
+          <a:ln w="28575">
+            <a:solidFill>
+              <a:srgbClr val="FF0000"/>
+            </a:solidFill>
+            <a:tailEnd type="triangle"/>
+          </a:ln>
+        </p:spPr>
+        <p:style>
+          <a:lnRef idx="1">
+            <a:schemeClr val="accent1"/>
+          </a:lnRef>
+          <a:fillRef idx="0">
+            <a:schemeClr val="accent1"/>
+          </a:fillRef>
+          <a:effectRef idx="0">
+            <a:schemeClr val="accent1"/>
+          </a:effectRef>
+          <a:fontRef idx="minor">
+            <a:schemeClr val="tx1"/>
+          </a:fontRef>
+        </p:style>
+      </p:cxnSp>
+      <p:sp>
+        <p:nvSpPr>
+          <p:cNvPr id="13" name="직사각형 12"/>
+          <p:cNvSpPr/>
+          <p:nvPr/>
+        </p:nvSpPr>
+        <p:spPr>
+          <a:xfrm>
+            <a:off x="8922161" y="4604784"/>
+            <a:ext cx="2039112" cy="775418"/>
+          </a:xfrm>
+          <a:prstGeom prst="rect">
+            <a:avLst/>
+          </a:prstGeom>
+        </p:spPr>
+        <p:style>
+          <a:lnRef idx="2">
+            <a:schemeClr val="accent1">
+              <a:shade val="50000"/>
+            </a:schemeClr>
+          </a:lnRef>
+          <a:fillRef idx="1">
+            <a:schemeClr val="accent1"/>
+          </a:fillRef>
+          <a:effectRef idx="0">
+            <a:schemeClr val="accent1"/>
+          </a:effectRef>
+          <a:fontRef idx="minor">
+            <a:schemeClr val="lt1"/>
+          </a:fontRef>
+        </p:style>
+        <p:txBody>
+          <a:bodyPr rtlCol="0" anchor="ctr"/>
+          <a:lstStyle/>
+          <a:p>
+            <a:pPr algn="ctr"/>
+            <a:r>
+              <a:rPr lang="ko-KR" altLang="en-US" sz="1600" dirty="0" smtClean="0"/>
+              <a:t>입</a:t>
+            </a:r>
+            <a:r>
+              <a:rPr lang="ko-KR" altLang="en-US" sz="1600" dirty="0" smtClean="0"/>
+              <a:t>력된 </a:t>
+            </a:r>
+            <a:r>
+              <a:rPr lang="en-US" altLang="ko-KR" sz="1600" dirty="0" smtClean="0"/>
+              <a:t>Path </a:t>
+            </a:r>
+            <a:r>
+              <a:rPr lang="ko-KR" altLang="en-US" sz="1600" dirty="0" smtClean="0"/>
+              <a:t>값으로 화면 이동됨</a:t>
+            </a:r>
+            <a:endParaRPr lang="ko-KR" altLang="en-US" sz="1600" dirty="0"/>
+          </a:p>
+        </p:txBody>
+      </p:sp>
+      <p:pic>
+        <p:nvPicPr>
+          <p:cNvPr id="4" name="그림 3"/>
+          <p:cNvPicPr>
+            <a:picLocks noChangeAspect="1"/>
+          </p:cNvPicPr>
+          <p:nvPr/>
+        </p:nvPicPr>
+        <p:blipFill>
+          <a:blip r:embed="rId3"/>
+          <a:stretch>
+            <a:fillRect/>
+          </a:stretch>
+        </p:blipFill>
+        <p:spPr>
+          <a:xfrm>
+            <a:off x="0" y="2886645"/>
+            <a:ext cx="12192000" cy="1341515"/>
+          </a:xfrm>
+          <a:prstGeom prst="rect">
+            <a:avLst/>
+          </a:prstGeom>
+        </p:spPr>
+      </p:pic>
+      <p:sp>
+        <p:nvSpPr>
+          <p:cNvPr id="14" name="직사각형 13"/>
+          <p:cNvSpPr/>
+          <p:nvPr/>
+        </p:nvSpPr>
+        <p:spPr>
+          <a:xfrm>
+            <a:off x="8288844" y="2973324"/>
+            <a:ext cx="3305747" cy="364236"/>
+          </a:xfrm>
+          <a:prstGeom prst="rect">
+            <a:avLst/>
+          </a:prstGeom>
+          <a:noFill/>
+          <a:ln w="57150">
+            <a:solidFill>
+              <a:srgbClr val="FF0000"/>
+            </a:solidFill>
+          </a:ln>
+        </p:spPr>
+        <p:style>
+          <a:lnRef idx="2">
+            <a:schemeClr val="accent1">
+              <a:shade val="50000"/>
+            </a:schemeClr>
+          </a:lnRef>
+          <a:fillRef idx="1">
+            <a:schemeClr val="accent1"/>
+          </a:fillRef>
+          <a:effectRef idx="0">
+            <a:schemeClr val="accent1"/>
+          </a:effectRef>
+          <a:fontRef idx="minor">
+            <a:schemeClr val="lt1"/>
+          </a:fontRef>
+        </p:style>
+        <p:txBody>
+          <a:bodyPr rtlCol="0" anchor="ctr"/>
+          <a:lstStyle/>
+          <a:p>
+            <a:pPr algn="ctr"/>
+            <a:endParaRPr lang="ko-KR" altLang="en-US"/>
+          </a:p>
+        </p:txBody>
+      </p:sp>
+      <p:cxnSp>
+        <p:nvCxnSpPr>
+          <p:cNvPr id="18" name="직선 화살표 연결선 17"/>
+          <p:cNvCxnSpPr>
+            <a:stCxn id="14" idx="2"/>
+          </p:cNvCxnSpPr>
+          <p:nvPr/>
+        </p:nvCxnSpPr>
+        <p:spPr>
+          <a:xfrm flipH="1">
+            <a:off x="9941717" y="3337560"/>
+            <a:ext cx="1" cy="1267224"/>
+          </a:xfrm>
+          <a:prstGeom prst="straightConnector1">
+            <a:avLst/>
+          </a:prstGeom>
+          <a:ln w="28575">
+            <a:solidFill>
+              <a:srgbClr val="FF0000"/>
+            </a:solidFill>
+            <a:tailEnd type="triangle"/>
+          </a:ln>
+        </p:spPr>
+        <p:style>
+          <a:lnRef idx="1">
+            <a:schemeClr val="accent1"/>
+          </a:lnRef>
+          <a:fillRef idx="0">
+            <a:schemeClr val="accent1"/>
+          </a:fillRef>
+          <a:effectRef idx="0">
+            <a:schemeClr val="accent1"/>
+          </a:effectRef>
+          <a:fontRef idx="minor">
+            <a:schemeClr val="tx1"/>
+          </a:fontRef>
+        </p:style>
+      </p:cxnSp>
+      <p:sp>
+        <p:nvSpPr>
+          <p:cNvPr id="21" name="직사각형 20"/>
+          <p:cNvSpPr/>
+          <p:nvPr/>
+        </p:nvSpPr>
+        <p:spPr>
+          <a:xfrm>
+            <a:off x="179070" y="3794769"/>
+            <a:ext cx="8279130" cy="321656"/>
+          </a:xfrm>
+          <a:prstGeom prst="rect">
+            <a:avLst/>
+          </a:prstGeom>
+          <a:noFill/>
+          <a:ln w="57150">
+            <a:solidFill>
+              <a:srgbClr val="FF0000"/>
+            </a:solidFill>
+          </a:ln>
+        </p:spPr>
+        <p:style>
+          <a:lnRef idx="2">
+            <a:schemeClr val="accent1">
+              <a:shade val="50000"/>
+            </a:schemeClr>
+          </a:lnRef>
+          <a:fillRef idx="1">
+            <a:schemeClr val="accent1"/>
+          </a:fillRef>
+          <a:effectRef idx="0">
+            <a:schemeClr val="accent1"/>
+          </a:effectRef>
+          <a:fontRef idx="minor">
+            <a:schemeClr val="lt1"/>
+          </a:fontRef>
+        </p:style>
+        <p:txBody>
+          <a:bodyPr rtlCol="0" anchor="ctr"/>
+          <a:lstStyle/>
+          <a:p>
+            <a:pPr algn="ctr"/>
+            <a:endParaRPr lang="ko-KR" altLang="en-US"/>
+          </a:p>
+        </p:txBody>
+      </p:sp>
+    </p:spTree>
+    <p:extLst>
+      <p:ext uri="{BB962C8B-B14F-4D97-AF65-F5344CB8AC3E}">
+        <p14:creationId xmlns:p14="http://schemas.microsoft.com/office/powerpoint/2010/main" val="1142500896"/>
+      </p:ext>
+    </p:extLst>
+  </p:cSld>
+  <p:clrMapOvr>
+    <a:masterClrMapping/>
+  </p:clrMapOvr>
+  <p:timing>
+    <p:tnLst>
+      <p:par>
+        <p:cTn id="1" dur="indefinite" restart="never" nodeType="tmRoot"/>
+      </p:par>
+    </p:tnLst>
+  </p:timing>
+</p:sld>
+</file>
+
+<file path=ppt/slides/slide8.xml><?xml version="1.0" encoding="utf-8"?>
+<p:sld xmlns:a="http://schemas.openxmlformats.org/drawingml/2006/main" xmlns:r="http://schemas.openxmlformats.org/officeDocument/2006/relationships" xmlns:p="http://schemas.openxmlformats.org/presentationml/2006/main">
+  <p:cSld>
+    <p:spTree>
+      <p:nvGrpSpPr>
+        <p:cNvPr id="1" name=""/>
+        <p:cNvGrpSpPr/>
+        <p:nvPr/>
+      </p:nvGrpSpPr>
+      <p:grpSpPr>
+        <a:xfrm>
+          <a:off x="0" y="0"/>
+          <a:ext cx="0" cy="0"/>
+          <a:chOff x="0" y="0"/>
+          <a:chExt cx="0" cy="0"/>
+        </a:xfrm>
+      </p:grpSpPr>
+      <p:pic>
+        <p:nvPicPr>
+          <p:cNvPr id="7" name="그림 6"/>
+          <p:cNvPicPr>
+            <a:picLocks noChangeAspect="1"/>
+          </p:cNvPicPr>
+          <p:nvPr/>
+        </p:nvPicPr>
+        <p:blipFill>
+          <a:blip r:embed="rId2"/>
+          <a:stretch>
+            <a:fillRect/>
+          </a:stretch>
+        </p:blipFill>
+        <p:spPr>
+          <a:xfrm>
+            <a:off x="9868978" y="6029325"/>
+            <a:ext cx="2323022" cy="781050"/>
+          </a:xfrm>
+          <a:prstGeom prst="rect">
+            <a:avLst/>
+          </a:prstGeom>
+        </p:spPr>
+      </p:pic>
+      <p:pic>
+        <p:nvPicPr>
+          <p:cNvPr id="28" name="그림 27"/>
+          <p:cNvPicPr>
+            <a:picLocks noChangeAspect="1"/>
+          </p:cNvPicPr>
+          <p:nvPr/>
+        </p:nvPicPr>
+        <p:blipFill>
+          <a:blip r:embed="rId2"/>
+          <a:stretch>
+            <a:fillRect/>
+          </a:stretch>
+        </p:blipFill>
+        <p:spPr>
+          <a:xfrm>
+            <a:off x="9868978" y="6029325"/>
+            <a:ext cx="2323022" cy="781050"/>
+          </a:xfrm>
+          <a:prstGeom prst="rect">
+            <a:avLst/>
+          </a:prstGeom>
+        </p:spPr>
+      </p:pic>
+      <p:sp>
+        <p:nvSpPr>
+          <p:cNvPr id="30" name="TextBox 29"/>
+          <p:cNvSpPr txBox="1"/>
+          <p:nvPr/>
+        </p:nvSpPr>
+        <p:spPr>
+          <a:xfrm>
+            <a:off x="6019800" y="114300"/>
+            <a:ext cx="6010275" cy="4401205"/>
+          </a:xfrm>
+          <a:prstGeom prst="rect">
+            <a:avLst/>
+          </a:prstGeom>
+          <a:noFill/>
+        </p:spPr>
+        <p:txBody>
+          <a:bodyPr wrap="square" rtlCol="0">
+            <a:spAutoFit/>
+          </a:bodyPr>
+          <a:lstStyle/>
+          <a:p>
+            <a:r>
               <a:rPr lang="en-US" altLang="ko-KR" sz="2800" b="1" dirty="0" smtClean="0"/>
               <a:t>if / else </a:t>
             </a:r>
@@ -7540,7 +8049,7 @@
 </p:sld>
 </file>
 
-<file path=ppt/slides/slide8.xml><?xml version="1.0" encoding="utf-8"?>
+<file path=ppt/slides/slide9.xml><?xml version="1.0" encoding="utf-8"?>
 <p:sld xmlns:a="http://schemas.openxmlformats.org/drawingml/2006/main" xmlns:r="http://schemas.openxmlformats.org/officeDocument/2006/relationships" xmlns:p="http://schemas.openxmlformats.org/presentationml/2006/main">
   <p:cSld>
     <p:spTree>
